--- a/Assignment 4 Li_Huang_Chen/Report/Assignment4.pptx
+++ b/Assignment 4 Li_Huang_Chen/Report/Assignment4.pptx
@@ -1507,7 +1507,7 @@
       </p:grpSpPr>
       <p:sp>
         <p:nvSpPr>
-          <p:cNvPr id="87" name="Google Shape;87;g9f326cd3dd_0_192:notes"/>
+          <p:cNvPr id="87" name="Google Shape;87;g9f326cd3dd_0_219:notes"/>
           <p:cNvSpPr/>
           <p:nvPr>
             <p:ph idx="2" type="sldImg"/>
@@ -1542,7 +1542,7 @@
       </p:sp>
       <p:sp>
         <p:nvSpPr>
-          <p:cNvPr id="88" name="Google Shape;88;g9f326cd3dd_0_192:notes"/>
+          <p:cNvPr id="88" name="Google Shape;88;g9f326cd3dd_0_219:notes"/>
           <p:cNvSpPr txBox="1"/>
           <p:nvPr>
             <p:ph idx="1" type="body"/>
@@ -6868,6 +6868,34 @@
           </a:p>
         </p:txBody>
       </p:sp>
+      <p:pic>
+        <p:nvPicPr>
+          <p:cNvPr id="117" name="Google Shape;117;p23"/>
+          <p:cNvPicPr preferRelativeResize="0"/>
+          <p:nvPr/>
+        </p:nvPicPr>
+        <p:blipFill>
+          <a:blip r:embed="rId3">
+            <a:alphaModFix/>
+          </a:blip>
+          <a:stretch>
+            <a:fillRect/>
+          </a:stretch>
+        </p:blipFill>
+        <p:spPr>
+          <a:xfrm>
+            <a:off x="1928350" y="953550"/>
+            <a:ext cx="5287293" cy="4085648"/>
+          </a:xfrm>
+          <a:prstGeom prst="rect">
+            <a:avLst/>
+          </a:prstGeom>
+          <a:noFill/>
+          <a:ln>
+            <a:noFill/>
+          </a:ln>
+        </p:spPr>
+      </p:pic>
     </p:spTree>
   </p:cSld>
   <p:clrMapOvr>
@@ -7522,7 +7550,7 @@
             </a:pPr>
             <a:r>
               <a:rPr lang="zh-TW"/>
-              <a:t>Flight Directory</a:t>
+              <a:t>Flight Schedule Multiple Stop</a:t>
             </a:r>
             <a:endParaRPr/>
           </a:p>
@@ -7563,7 +7591,47 @@
             </a:pPr>
             <a:r>
               <a:rPr lang="zh-TW"/>
-              <a:t>Flight Directory has array of Flight with details of flight schedule and linked with Customer, Travel Agency, and Ticket.</a:t>
+              <a:t>Flight Schedule Multiple Stop  has array of FlightSchedule with details of Flight, Stop, destination, Stop</a:t>
+            </a:r>
+            <a:br>
+              <a:rPr lang="zh-TW"/>
+            </a:br>
+            <a:endParaRPr/>
+          </a:p>
+          <a:p>
+            <a:pPr indent="-342900" lvl="0" marL="457200" rtl="0" algn="l">
+              <a:spcBef>
+                <a:spcPts val="0"/>
+              </a:spcBef>
+              <a:spcAft>
+                <a:spcPts val="0"/>
+              </a:spcAft>
+              <a:buSzPts val="1800"/>
+              <a:buChar char="●"/>
+            </a:pPr>
+            <a:r>
+              <a:rPr lang="zh-TW"/>
+              <a:t>More than one FlighSchedule in the array meanings that it’s multiple stop.Vice versa meaning that it’s only one stop.</a:t>
+            </a:r>
+            <a:br>
+              <a:rPr lang="zh-TW"/>
+            </a:br>
+            <a:endParaRPr/>
+          </a:p>
+          <a:p>
+            <a:pPr indent="-342900" lvl="0" marL="457200" rtl="0" algn="l">
+              <a:spcBef>
+                <a:spcPts val="0"/>
+              </a:spcBef>
+              <a:spcAft>
+                <a:spcPts val="0"/>
+              </a:spcAft>
+              <a:buSzPts val="1800"/>
+              <a:buChar char="●"/>
+            </a:pPr>
+            <a:r>
+              <a:rPr lang="zh-TW"/>
+              <a:t>Each FlightSchedule has one Flight Entity. If the Flight Entity has no Customer meaning that not being occupied</a:t>
             </a:r>
             <a:endParaRPr/>
           </a:p>
@@ -7712,7 +7780,7 @@
             </a:pPr>
             <a:r>
               <a:rPr lang="zh-TW"/>
-              <a:t>Car informations show the available status, and occupied or not. </a:t>
+              <a:t>If the Car informations have no Customer, meaning that the car is not being occupied. </a:t>
             </a:r>
             <a:endParaRPr/>
           </a:p>
